--- a/admin/intro_slides/tutorial_intro_slides.pptx
+++ b/admin/intro_slides/tutorial_intro_slides.pptx
@@ -1993,7 +1993,7 @@
           </a:ln>
           <a:extLst>
             <a:ext uri="{C572A759-6A51-4108-AA02-DFA0A04FC94B}">
-              <ma14:wrappingTextBoxFlag xmlns="" xmlns:m="http://schemas.openxmlformats.org/officeDocument/2006/math" xmlns:a14="http://schemas.microsoft.com/office/drawing/2010/main" xmlns:ma14="http://schemas.microsoft.com/office/mac/drawingml/2011/main" val="1"/>
+              <ma14:wrappingTextBoxFlag xmlns:ma14="http://schemas.microsoft.com/office/mac/drawingml/2011/main" xmlns:a14="http://schemas.microsoft.com/office/drawing/2010/main" xmlns:m="http://schemas.openxmlformats.org/officeDocument/2006/math" xmlns="" val="1"/>
             </a:ext>
           </a:extLst>
         </p:spPr>
@@ -2032,7 +2032,7 @@
           </a:ln>
           <a:extLst>
             <a:ext uri="{C572A759-6A51-4108-AA02-DFA0A04FC94B}">
-              <ma14:wrappingTextBoxFlag xmlns="" xmlns:m="http://schemas.openxmlformats.org/officeDocument/2006/math" xmlns:a14="http://schemas.microsoft.com/office/drawing/2010/main" xmlns:ma14="http://schemas.microsoft.com/office/mac/drawingml/2011/main" val="1"/>
+              <ma14:wrappingTextBoxFlag xmlns:ma14="http://schemas.microsoft.com/office/mac/drawingml/2011/main" xmlns:a14="http://schemas.microsoft.com/office/drawing/2010/main" xmlns:m="http://schemas.openxmlformats.org/officeDocument/2006/math" xmlns="" val="1"/>
             </a:ext>
           </a:extLst>
         </p:spPr>
@@ -3554,50 +3554,33 @@
               <a:t>Slack Group Sign-up: </a:t>
             </a:r>
             <a:r>
-              <a:rPr lang="en-US" dirty="0">
-                <a:highlight>
-                  <a:srgbClr val="FFFF00"/>
-                </a:highlight>
+              <a:rPr lang="en-US" b="0" i="0" u="none" strike="noStrike" dirty="0">
+                <a:effectLst/>
+                <a:latin typeface="-apple-system"/>
+                <a:hlinkClick r:id="rId2"/>
               </a:rPr>
-              <a:t>https://</a:t>
-            </a:r>
-            <a:r>
-              <a:rPr lang="en-US" dirty="0" err="1">
-                <a:highlight>
-                  <a:srgbClr val="FFFF00"/>
-                </a:highlight>
+              <a:t>https://tinyurl.com</a:t>
+            </a:r>
+            <a:r>
+              <a:rPr lang="en-US" b="0" i="0" u="none" strike="noStrike">
+                <a:effectLst/>
+                <a:latin typeface="-apple-system"/>
+                <a:hlinkClick r:id="rId2"/>
               </a:rPr>
-              <a:t>tinyurl.com</a:t>
-            </a:r>
-            <a:r>
-              <a:rPr lang="en-US" dirty="0">
-                <a:highlight>
-                  <a:srgbClr val="FFFF00"/>
-                </a:highlight>
-              </a:rPr>
-              <a:t>/</a:t>
-            </a:r>
-            <a:r>
-              <a:rPr lang="en-US" dirty="0" err="1">
-                <a:highlight>
-                  <a:srgbClr val="FFFF00"/>
-                </a:highlight>
-              </a:rPr>
-              <a:t>socalrug</a:t>
-            </a:r>
-            <a:r>
-              <a:rPr lang="en-US" dirty="0">
-                <a:highlight>
-                  <a:srgbClr val="FFFF00"/>
-                </a:highlight>
-              </a:rPr>
-              <a:t>-slack-signup</a:t>
-            </a:r>
-          </a:p>
-          <a:p>
+              <a:t>/socalrug-slack-invite3</a:t>
+            </a:r>
+            <a:endParaRPr lang="en-US">
+              <a:latin typeface="-apple-system"/>
+            </a:endParaRPr>
+          </a:p>
+          <a:p>
+            <a:r>
+              <a:rPr lang="en-US"/>
+              <a:t>Slack </a:t>
+            </a:r>
             <a:r>
               <a:rPr lang="en-US" dirty="0"/>
-              <a:t>Slack channel: https://</a:t>
+              <a:t>channel: https://</a:t>
             </a:r>
             <a:r>
               <a:rPr lang="en-US" dirty="0" err="1"/>
